--- a/sesija-19/PPT/Front-End Developer-19.pptx
+++ b/sesija-19/PPT/Front-End Developer-19.pptx
@@ -6,13 +6,17 @@
     <p:sldMasterId id="2147483676" r:id="rId2"/>
   </p:sldMasterIdLst>
   <p:notesMasterIdLst>
-    <p:notesMasterId r:id="rId7"/>
+    <p:notesMasterId r:id="rId11"/>
   </p:notesMasterIdLst>
   <p:sldIdLst>
     <p:sldId id="256" r:id="rId3"/>
     <p:sldId id="257" r:id="rId4"/>
     <p:sldId id="258" r:id="rId5"/>
-    <p:sldId id="263" r:id="rId6"/>
+    <p:sldId id="259" r:id="rId6"/>
+    <p:sldId id="260" r:id="rId7"/>
+    <p:sldId id="261" r:id="rId8"/>
+    <p:sldId id="262" r:id="rId9"/>
+    <p:sldId id="263" r:id="rId10"/>
   </p:sldIdLst>
   <p:sldSz cx="12192000" cy="6858000"/>
   <p:notesSz cx="6858000" cy="9144000"/>
@@ -119,6 +123,10 @@
             <p14:sldId id="256"/>
             <p14:sldId id="257"/>
             <p14:sldId id="258"/>
+            <p14:sldId id="259"/>
+            <p14:sldId id="260"/>
+            <p14:sldId id="261"/>
+            <p14:sldId id="262"/>
             <p14:sldId id="263"/>
           </p14:sldIdLst>
         </p14:section>
@@ -939,6 +947,10 @@
         <a:bodyPr/>
         <a:lstStyle/>
         <a:p>
+          <a:r>
+            <a:rPr lang="en-US" smtClean="0"/>
+            <a:t>Coding challenges</a:t>
+          </a:r>
           <a:endParaRPr lang="en-US"/>
         </a:p>
       </dgm:t>
@@ -1152,6 +1164,10 @@
             </a:spcAft>
             <a:buChar char="••"/>
           </a:pPr>
+          <a:r>
+            <a:rPr lang="en-US" sz="5100" kern="1200" smtClean="0"/>
+            <a:t>Coding challenges</a:t>
+          </a:r>
           <a:endParaRPr lang="en-US" sz="5100" kern="1200"/>
         </a:p>
       </dsp:txBody>
@@ -2447,7 +2463,7 @@
           <a:p>
             <a:fld id="{D32AC403-8EB1-4D4E-8C3A-24BD19820531}" type="datetimeFigureOut">
               <a:rPr lang="en-US" smtClean="0"/>
-              <a:t>13-Mar-18</a:t>
+              <a:t>22-Mar-18</a:t>
             </a:fld>
             <a:endParaRPr lang="en-US"/>
           </a:p>
@@ -3193,7 +3209,7 @@
           <a:p>
             <a:fld id="{B35B300D-7DF5-4E96-8AA6-60E94C6E9F44}" type="datetimeFigureOut">
               <a:rPr lang="sr-Latn-RS" smtClean="0"/>
-              <a:t>13.3.2018.</a:t>
+              <a:t>22.3.2018.</a:t>
             </a:fld>
             <a:endParaRPr lang="sr-Latn-RS"/>
           </a:p>
@@ -3627,7 +3643,7 @@
           <a:p>
             <a:fld id="{B35B300D-7DF5-4E96-8AA6-60E94C6E9F44}" type="datetimeFigureOut">
               <a:rPr lang="sr-Latn-RS" smtClean="0"/>
-              <a:t>13.3.2018.</a:t>
+              <a:t>22.3.2018.</a:t>
             </a:fld>
             <a:endParaRPr lang="sr-Latn-RS"/>
           </a:p>
@@ -4001,7 +4017,7 @@
           <a:p>
             <a:fld id="{B35B300D-7DF5-4E96-8AA6-60E94C6E9F44}" type="datetimeFigureOut">
               <a:rPr lang="sr-Latn-RS" smtClean="0"/>
-              <a:t>13.3.2018.</a:t>
+              <a:t>22.3.2018.</a:t>
             </a:fld>
             <a:endParaRPr lang="sr-Latn-RS"/>
           </a:p>
@@ -4285,7 +4301,7 @@
           <a:p>
             <a:fld id="{B35B300D-7DF5-4E96-8AA6-60E94C6E9F44}" type="datetimeFigureOut">
               <a:rPr lang="sr-Latn-RS" smtClean="0"/>
-              <a:t>13.3.2018.</a:t>
+              <a:t>22.3.2018.</a:t>
             </a:fld>
             <a:endParaRPr lang="sr-Latn-RS"/>
           </a:p>
@@ -4462,7 +4478,7 @@
           <a:p>
             <a:fld id="{B35B300D-7DF5-4E96-8AA6-60E94C6E9F44}" type="datetimeFigureOut">
               <a:rPr lang="sr-Latn-RS" smtClean="0"/>
-              <a:t>13.3.2018.</a:t>
+              <a:t>22.3.2018.</a:t>
             </a:fld>
             <a:endParaRPr lang="sr-Latn-RS"/>
           </a:p>
@@ -4649,7 +4665,7 @@
           <a:p>
             <a:fld id="{B35B300D-7DF5-4E96-8AA6-60E94C6E9F44}" type="datetimeFigureOut">
               <a:rPr lang="sr-Latn-RS" smtClean="0"/>
-              <a:t>13.3.2018.</a:t>
+              <a:t>22.3.2018.</a:t>
             </a:fld>
             <a:endParaRPr lang="sr-Latn-RS"/>
           </a:p>
@@ -4896,7 +4912,7 @@
           <a:p>
             <a:fld id="{B35B300D-7DF5-4E96-8AA6-60E94C6E9F44}" type="datetimeFigureOut">
               <a:rPr lang="sr-Latn-RS" smtClean="0"/>
-              <a:t>13.3.2018.</a:t>
+              <a:t>22.3.2018.</a:t>
             </a:fld>
             <a:endParaRPr lang="sr-Latn-RS"/>
           </a:p>
@@ -5180,7 +5196,7 @@
           <a:p>
             <a:fld id="{B35B300D-7DF5-4E96-8AA6-60E94C6E9F44}" type="datetimeFigureOut">
               <a:rPr lang="sr-Latn-RS" smtClean="0"/>
-              <a:t>13.3.2018.</a:t>
+              <a:t>22.3.2018.</a:t>
             </a:fld>
             <a:endParaRPr lang="sr-Latn-RS"/>
           </a:p>
@@ -7099,7 +7115,7 @@
           <a:p>
             <a:fld id="{B35B300D-7DF5-4E96-8AA6-60E94C6E9F44}" type="datetimeFigureOut">
               <a:rPr lang="sr-Latn-RS" smtClean="0"/>
-              <a:t>13.3.2018.</a:t>
+              <a:t>22.3.2018.</a:t>
             </a:fld>
             <a:endParaRPr lang="sr-Latn-RS"/>
           </a:p>
@@ -7533,15 +7549,7 @@
             </a:br>
             <a:r>
               <a:rPr lang="en-US" b="1" smtClean="0"/>
-              <a:t>19 </a:t>
-            </a:r>
-            <a:r>
-              <a:rPr lang="en-US" b="1" smtClean="0"/>
-              <a:t>– </a:t>
-            </a:r>
-            <a:r>
-              <a:rPr lang="en-US" b="1" smtClean="0"/>
-              <a:t>23.03.2018</a:t>
+              <a:t>19 – 23.03.2018</a:t>
             </a:r>
             <a:endParaRPr lang="en-US"/>
           </a:p>
@@ -7670,7 +7678,7 @@
           <p:nvPr>
             <p:extLst>
               <p:ext uri="{D42A27DB-BD31-4B8C-83A1-F6EECF244321}">
-                <p14:modId xmlns:p14="http://schemas.microsoft.com/office/powerpoint/2010/main" val="571710413"/>
+                <p14:modId xmlns:p14="http://schemas.microsoft.com/office/powerpoint/2010/main" val="2017910147"/>
               </p:ext>
             </p:extLst>
           </p:nvPr>
@@ -7795,6 +7803,24 @@
           <a:lstStyle/>
           <a:p>
             <a:pPr lvl="1"/>
+            <a:r>
+              <a:rPr lang="en-US" smtClean="0"/>
+              <a:t>Kako mozemo da promenimo sliku na &lt;img&gt; tagu?</a:t>
+            </a:r>
+          </a:p>
+          <a:p>
+            <a:pPr lvl="1"/>
+            <a:r>
+              <a:rPr lang="en-US" smtClean="0"/>
+              <a:t>Kako radi Flex Box?</a:t>
+            </a:r>
+          </a:p>
+          <a:p>
+            <a:pPr lvl="1"/>
+            <a:r>
+              <a:rPr lang="en-US" smtClean="0"/>
+              <a:t>Kako mozemo da uzmemo vrednost (value) selektovanog itema u &lt;select&gt; tagu?</a:t>
+            </a:r>
             <a:endParaRPr lang="en-US" smtClean="0"/>
           </a:p>
         </p:txBody>
@@ -7862,12 +7888,12 @@
       </p:grpSpPr>
       <p:sp>
         <p:nvSpPr>
-          <p:cNvPr id="5" name="Text Placeholder 4"/>
+          <p:cNvPr id="2" name="Title 1"/>
           <p:cNvSpPr>
             <a:spLocks noGrp="1"/>
           </p:cNvSpPr>
           <p:nvPr>
-            <p:ph type="body" sz="quarter" idx="10"/>
+            <p:ph type="title"/>
           </p:nvPr>
         </p:nvSpPr>
         <p:spPr/>
@@ -7877,58 +7903,390 @@
           <a:p>
             <a:r>
               <a:rPr lang="en-US" smtClean="0"/>
-              <a:t>HTML</a:t>
-            </a:r>
-            <a:endParaRPr lang="sr-Latn-RS" smtClean="0"/>
+              <a:t>Coding challenge 1</a:t>
+            </a:r>
+            <a:endParaRPr lang="sr-Latn-RS"/>
           </a:p>
         </p:txBody>
       </p:sp>
-      <p:sp>
-        <p:nvSpPr>
-          <p:cNvPr id="6" name="Text Placeholder 5"/>
-          <p:cNvSpPr>
-            <a:spLocks noGrp="1"/>
-          </p:cNvSpPr>
+      <p:pic>
+        <p:nvPicPr>
+          <p:cNvPr id="4" name="Content Placeholder 3"/>
+          <p:cNvPicPr>
+            <a:picLocks noGrp="1" noChangeAspect="1"/>
+          </p:cNvPicPr>
           <p:nvPr>
-            <p:ph type="body" sz="quarter" idx="4294967295"/>
+            <p:ph sz="quarter" idx="10"/>
           </p:nvPr>
-        </p:nvSpPr>
+        </p:nvPicPr>
+        <p:blipFill>
+          <a:blip r:embed="rId2"/>
+          <a:stretch>
+            <a:fillRect/>
+          </a:stretch>
+        </p:blipFill>
         <p:spPr>
           <a:xfrm>
-            <a:off x="7368309" y="3196013"/>
-            <a:ext cx="4699000" cy="1930400"/>
+            <a:off x="609480" y="2152114"/>
+            <a:ext cx="10022948" cy="1530423"/>
           </a:xfrm>
+          <a:prstGeom prst="rect">
+            <a:avLst/>
+          </a:prstGeom>
         </p:spPr>
-        <p:txBody>
-          <a:bodyPr/>
-          <a:lstStyle/>
-          <a:p>
-            <a:pPr lvl="0"/>
-            <a:r>
-              <a:rPr lang="en-US" sz="4000" smtClean="0"/>
-              <a:t>text</a:t>
-            </a:r>
-            <a:endParaRPr lang="en-US" sz="4000"/>
-          </a:p>
-        </p:txBody>
-      </p:sp>
+      </p:pic>
     </p:spTree>
     <p:extLst>
       <p:ext uri="{BB962C8B-B14F-4D97-AF65-F5344CB8AC3E}">
-        <p14:creationId xmlns:p14="http://schemas.microsoft.com/office/powerpoint/2010/main" val="1530407426"/>
+        <p14:creationId xmlns:p14="http://schemas.microsoft.com/office/powerpoint/2010/main" val="2478088196"/>
       </p:ext>
     </p:extLst>
   </p:cSld>
   <p:clrMapOvr>
     <a:masterClrMapping/>
   </p:clrMapOvr>
-  <p:timing>
-    <p:tnLst>
-      <p:par>
-        <p:cTn id="1" dur="indefinite" restart="never" nodeType="tmRoot"/>
-      </p:par>
-    </p:tnLst>
-  </p:timing>
+</p:sld>
+</file>
+
+<file path=ppt/slides/slide5.xml><?xml version="1.0" encoding="utf-8"?>
+<p:sld xmlns:a="http://schemas.openxmlformats.org/drawingml/2006/main" xmlns:r="http://schemas.openxmlformats.org/officeDocument/2006/relationships" xmlns:p="http://schemas.openxmlformats.org/presentationml/2006/main">
+  <p:cSld>
+    <p:spTree>
+      <p:nvGrpSpPr>
+        <p:cNvPr id="1" name=""/>
+        <p:cNvGrpSpPr/>
+        <p:nvPr/>
+      </p:nvGrpSpPr>
+      <p:grpSpPr>
+        <a:xfrm>
+          <a:off x="0" y="0"/>
+          <a:ext cx="0" cy="0"/>
+          <a:chOff x="0" y="0"/>
+          <a:chExt cx="0" cy="0"/>
+        </a:xfrm>
+      </p:grpSpPr>
+      <p:sp>
+        <p:nvSpPr>
+          <p:cNvPr id="2" name="Title 1"/>
+          <p:cNvSpPr>
+            <a:spLocks noGrp="1"/>
+          </p:cNvSpPr>
+          <p:nvPr>
+            <p:ph type="title"/>
+          </p:nvPr>
+        </p:nvSpPr>
+        <p:spPr/>
+        <p:txBody>
+          <a:bodyPr/>
+          <a:lstStyle/>
+          <a:p>
+            <a:r>
+              <a:rPr lang="en-US" smtClean="0"/>
+              <a:t>Coding challenge 2</a:t>
+            </a:r>
+            <a:endParaRPr lang="sr-Latn-RS"/>
+          </a:p>
+        </p:txBody>
+      </p:sp>
+      <p:pic>
+        <p:nvPicPr>
+          <p:cNvPr id="4" name="Content Placeholder 3"/>
+          <p:cNvPicPr>
+            <a:picLocks noGrp="1" noChangeAspect="1"/>
+          </p:cNvPicPr>
+          <p:nvPr>
+            <p:ph sz="quarter" idx="10"/>
+          </p:nvPr>
+        </p:nvPicPr>
+        <p:blipFill>
+          <a:blip r:embed="rId2"/>
+          <a:stretch>
+            <a:fillRect/>
+          </a:stretch>
+        </p:blipFill>
+        <p:spPr>
+          <a:xfrm>
+            <a:off x="418287" y="1999219"/>
+            <a:ext cx="11584569" cy="1500440"/>
+          </a:xfrm>
+          <a:prstGeom prst="rect">
+            <a:avLst/>
+          </a:prstGeom>
+        </p:spPr>
+      </p:pic>
+    </p:spTree>
+    <p:extLst>
+      <p:ext uri="{BB962C8B-B14F-4D97-AF65-F5344CB8AC3E}">
+        <p14:creationId xmlns:p14="http://schemas.microsoft.com/office/powerpoint/2010/main" val="127847721"/>
+      </p:ext>
+    </p:extLst>
+  </p:cSld>
+  <p:clrMapOvr>
+    <a:masterClrMapping/>
+  </p:clrMapOvr>
+</p:sld>
+</file>
+
+<file path=ppt/slides/slide6.xml><?xml version="1.0" encoding="utf-8"?>
+<p:sld xmlns:a="http://schemas.openxmlformats.org/drawingml/2006/main" xmlns:r="http://schemas.openxmlformats.org/officeDocument/2006/relationships" xmlns:p="http://schemas.openxmlformats.org/presentationml/2006/main">
+  <p:cSld>
+    <p:spTree>
+      <p:nvGrpSpPr>
+        <p:cNvPr id="1" name=""/>
+        <p:cNvGrpSpPr/>
+        <p:nvPr/>
+      </p:nvGrpSpPr>
+      <p:grpSpPr>
+        <a:xfrm>
+          <a:off x="0" y="0"/>
+          <a:ext cx="0" cy="0"/>
+          <a:chOff x="0" y="0"/>
+          <a:chExt cx="0" cy="0"/>
+        </a:xfrm>
+      </p:grpSpPr>
+      <p:sp>
+        <p:nvSpPr>
+          <p:cNvPr id="2" name="Title 1"/>
+          <p:cNvSpPr>
+            <a:spLocks noGrp="1"/>
+          </p:cNvSpPr>
+          <p:nvPr>
+            <p:ph type="title"/>
+          </p:nvPr>
+        </p:nvSpPr>
+        <p:spPr/>
+        <p:txBody>
+          <a:bodyPr/>
+          <a:lstStyle/>
+          <a:p>
+            <a:r>
+              <a:rPr lang="en-US" smtClean="0"/>
+              <a:t>Coding challenge 3</a:t>
+            </a:r>
+            <a:endParaRPr lang="sr-Latn-RS"/>
+          </a:p>
+        </p:txBody>
+      </p:sp>
+      <p:pic>
+        <p:nvPicPr>
+          <p:cNvPr id="4" name="Content Placeholder 3"/>
+          <p:cNvPicPr>
+            <a:picLocks noGrp="1" noChangeAspect="1"/>
+          </p:cNvPicPr>
+          <p:nvPr>
+            <p:ph sz="quarter" idx="10"/>
+          </p:nvPr>
+        </p:nvPicPr>
+        <p:blipFill>
+          <a:blip r:embed="rId2"/>
+          <a:stretch>
+            <a:fillRect/>
+          </a:stretch>
+        </p:blipFill>
+        <p:spPr>
+          <a:xfrm>
+            <a:off x="390234" y="1798560"/>
+            <a:ext cx="11410931" cy="1019453"/>
+          </a:xfrm>
+          <a:prstGeom prst="rect">
+            <a:avLst/>
+          </a:prstGeom>
+        </p:spPr>
+      </p:pic>
+    </p:spTree>
+    <p:extLst>
+      <p:ext uri="{BB962C8B-B14F-4D97-AF65-F5344CB8AC3E}">
+        <p14:creationId xmlns:p14="http://schemas.microsoft.com/office/powerpoint/2010/main" val="1722341318"/>
+      </p:ext>
+    </p:extLst>
+  </p:cSld>
+  <p:clrMapOvr>
+    <a:masterClrMapping/>
+  </p:clrMapOvr>
+</p:sld>
+</file>
+
+<file path=ppt/slides/slide7.xml><?xml version="1.0" encoding="utf-8"?>
+<p:sld xmlns:a="http://schemas.openxmlformats.org/drawingml/2006/main" xmlns:r="http://schemas.openxmlformats.org/officeDocument/2006/relationships" xmlns:p="http://schemas.openxmlformats.org/presentationml/2006/main">
+  <p:cSld>
+    <p:spTree>
+      <p:nvGrpSpPr>
+        <p:cNvPr id="1" name=""/>
+        <p:cNvGrpSpPr/>
+        <p:nvPr/>
+      </p:nvGrpSpPr>
+      <p:grpSpPr>
+        <a:xfrm>
+          <a:off x="0" y="0"/>
+          <a:ext cx="0" cy="0"/>
+          <a:chOff x="0" y="0"/>
+          <a:chExt cx="0" cy="0"/>
+        </a:xfrm>
+      </p:grpSpPr>
+      <p:sp>
+        <p:nvSpPr>
+          <p:cNvPr id="2" name="Title 1"/>
+          <p:cNvSpPr>
+            <a:spLocks noGrp="1"/>
+          </p:cNvSpPr>
+          <p:nvPr>
+            <p:ph type="title"/>
+          </p:nvPr>
+        </p:nvSpPr>
+        <p:spPr/>
+        <p:txBody>
+          <a:bodyPr/>
+          <a:lstStyle/>
+          <a:p>
+            <a:r>
+              <a:rPr lang="en-US" smtClean="0"/>
+              <a:t>Coding challenge 4</a:t>
+            </a:r>
+            <a:endParaRPr lang="sr-Latn-RS"/>
+          </a:p>
+        </p:txBody>
+      </p:sp>
+      <p:pic>
+        <p:nvPicPr>
+          <p:cNvPr id="4" name="Content Placeholder 3"/>
+          <p:cNvPicPr>
+            <a:picLocks noGrp="1" noChangeAspect="1"/>
+          </p:cNvPicPr>
+          <p:nvPr>
+            <p:ph sz="quarter" idx="10"/>
+          </p:nvPr>
+        </p:nvPicPr>
+        <p:blipFill>
+          <a:blip r:embed="rId2"/>
+          <a:stretch>
+            <a:fillRect/>
+          </a:stretch>
+        </p:blipFill>
+        <p:spPr>
+          <a:xfrm>
+            <a:off x="834498" y="1992436"/>
+            <a:ext cx="10283447" cy="2238741"/>
+          </a:xfrm>
+          <a:prstGeom prst="rect">
+            <a:avLst/>
+          </a:prstGeom>
+        </p:spPr>
+      </p:pic>
+    </p:spTree>
+    <p:extLst>
+      <p:ext uri="{BB962C8B-B14F-4D97-AF65-F5344CB8AC3E}">
+        <p14:creationId xmlns:p14="http://schemas.microsoft.com/office/powerpoint/2010/main" val="2088370117"/>
+      </p:ext>
+    </p:extLst>
+  </p:cSld>
+  <p:clrMapOvr>
+    <a:masterClrMapping/>
+  </p:clrMapOvr>
+</p:sld>
+</file>
+
+<file path=ppt/slides/slide8.xml><?xml version="1.0" encoding="utf-8"?>
+<p:sld xmlns:a="http://schemas.openxmlformats.org/drawingml/2006/main" xmlns:r="http://schemas.openxmlformats.org/officeDocument/2006/relationships" xmlns:p="http://schemas.openxmlformats.org/presentationml/2006/main">
+  <p:cSld>
+    <p:spTree>
+      <p:nvGrpSpPr>
+        <p:cNvPr id="1" name=""/>
+        <p:cNvGrpSpPr/>
+        <p:nvPr/>
+      </p:nvGrpSpPr>
+      <p:grpSpPr>
+        <a:xfrm>
+          <a:off x="0" y="0"/>
+          <a:ext cx="0" cy="0"/>
+          <a:chOff x="0" y="0"/>
+          <a:chExt cx="0" cy="0"/>
+        </a:xfrm>
+      </p:grpSpPr>
+      <p:sp>
+        <p:nvSpPr>
+          <p:cNvPr id="2" name="Title 1"/>
+          <p:cNvSpPr>
+            <a:spLocks noGrp="1"/>
+          </p:cNvSpPr>
+          <p:nvPr>
+            <p:ph type="title"/>
+          </p:nvPr>
+        </p:nvSpPr>
+        <p:spPr/>
+        <p:txBody>
+          <a:bodyPr/>
+          <a:lstStyle/>
+          <a:p>
+            <a:r>
+              <a:rPr lang="en-US" smtClean="0"/>
+              <a:t>Home work</a:t>
+            </a:r>
+            <a:endParaRPr lang="sr-Latn-RS"/>
+          </a:p>
+        </p:txBody>
+      </p:sp>
+      <p:sp>
+        <p:nvSpPr>
+          <p:cNvPr id="3" name="Content Placeholder 2"/>
+          <p:cNvSpPr>
+            <a:spLocks noGrp="1"/>
+          </p:cNvSpPr>
+          <p:nvPr>
+            <p:ph sz="quarter" idx="10"/>
+          </p:nvPr>
+        </p:nvSpPr>
+        <p:spPr/>
+        <p:txBody>
+          <a:bodyPr/>
+          <a:lstStyle/>
+          <a:p>
+            <a:r>
+              <a:rPr lang="en-US" smtClean="0"/>
+              <a:t>Pronaci na internetu- kako se radi sa Flex box-om</a:t>
+            </a:r>
+          </a:p>
+          <a:p>
+            <a:r>
+              <a:rPr lang="en-US" smtClean="0"/>
+              <a:t>Provezbati primer:</a:t>
+            </a:r>
+          </a:p>
+          <a:p>
+            <a:r>
+              <a:rPr lang="sr-Latn-RS">
+                <a:hlinkClick r:id="rId2"/>
+              </a:rPr>
+              <a:t>https://</a:t>
+            </a:r>
+            <a:r>
+              <a:rPr lang="sr-Latn-RS">
+                <a:hlinkClick r:id="rId2"/>
+              </a:rPr>
+              <a:t>css-tricks.com/snippets/css/a-guide-to-flexbox</a:t>
+            </a:r>
+            <a:r>
+              <a:rPr lang="sr-Latn-RS" smtClean="0">
+                <a:hlinkClick r:id="rId2"/>
+              </a:rPr>
+              <a:t>/</a:t>
+            </a:r>
+            <a:endParaRPr lang="en-US" smtClean="0"/>
+          </a:p>
+          <a:p>
+            <a:endParaRPr lang="sr-Latn-RS"/>
+          </a:p>
+        </p:txBody>
+      </p:sp>
+    </p:spTree>
+    <p:extLst>
+      <p:ext uri="{BB962C8B-B14F-4D97-AF65-F5344CB8AC3E}">
+        <p14:creationId xmlns:p14="http://schemas.microsoft.com/office/powerpoint/2010/main" val="1678285674"/>
+      </p:ext>
+    </p:extLst>
+  </p:cSld>
+  <p:clrMapOvr>
+    <a:masterClrMapping/>
+  </p:clrMapOvr>
 </p:sld>
 </file>
 
